--- a/Lesson Decks/02 CSS Basics - FEWD 3.2.pptx
+++ b/Lesson Decks/02 CSS Basics - FEWD 3.2.pptx
@@ -56,24 +56,24 @@
   <p:notesSz cx="6858000" cy="9144000"/>
   <p:embeddedFontLst>
     <p:embeddedFont>
-      <p:font typeface="Helvetica Neue" panose="020B0604020202020204" charset="0"/>
+      <p:font typeface="Helvetica Neue" panose="02000503000000020004" pitchFamily="2" charset="0"/>
       <p:regular r:id="rId46"/>
       <p:bold r:id="rId47"/>
       <p:italic r:id="rId48"/>
       <p:boldItalic r:id="rId49"/>
     </p:embeddedFont>
     <p:embeddedFont>
-      <p:font typeface="Inconsolata" pitchFamily="1" charset="0"/>
+      <p:font typeface="Inconsolata" pitchFamily="49" charset="77"/>
       <p:regular r:id="rId50"/>
       <p:bold r:id="rId51"/>
     </p:embeddedFont>
     <p:embeddedFont>
-      <p:font typeface="Oswald" panose="00000500000000000000" pitchFamily="2" charset="0"/>
+      <p:font typeface="Oswald" pitchFamily="2" charset="77"/>
       <p:regular r:id="rId52"/>
       <p:bold r:id="rId53"/>
     </p:embeddedFont>
     <p:embeddedFont>
-      <p:font typeface="Proxima Nova" panose="020B0604020202020204" charset="0"/>
+      <p:font typeface="Proxima Nova" panose="02000506030000020004" pitchFamily="2" charset="0"/>
       <p:regular r:id="rId54"/>
       <p:bold r:id="rId55"/>
       <p:italic r:id="rId56"/>
@@ -40163,16 +40163,7 @@
                 </a:solidFill>
                 <a:hlinkClick r:id="rId3"/>
               </a:rPr>
-              <a:t>This </a:t>
-            </a:r>
-            <a:r>
-              <a:rPr lang="en" u="sng">
-                <a:solidFill>
-                  <a:schemeClr val="hlink"/>
-                </a:solidFill>
-                <a:hlinkClick r:id="rId3"/>
-              </a:rPr>
-              <a:t>flowchart</a:t>
+              <a:t>This flowchart</a:t>
             </a:r>
             <a:r>
               <a:rPr lang="en"/>
@@ -40506,43 +40497,15 @@
             </a:endParaRPr>
           </a:p>
           <a:p>
-            <a:pPr marL="0" lvl="0" indent="0" algn="l" rtl="0">
-              <a:spcBef>
-                <a:spcPts val="0"/>
-              </a:spcBef>
-              <a:spcAft>
-                <a:spcPts val="0"/>
-              </a:spcAft>
-              <a:buNone/>
-            </a:pPr>
-            <a:r>
-              <a:rPr lang="en" sz="1800" u="sng" dirty="0">
-                <a:solidFill>
-                  <a:schemeClr val="hlink"/>
-                </a:solidFill>
-                <a:latin typeface="Proxima Nova"/>
-                <a:ea typeface="Proxima Nova"/>
-                <a:cs typeface="Proxima Nova"/>
-                <a:sym typeface="Proxima Nova"/>
-                <a:hlinkClick r:id="rId3"/>
-              </a:rPr>
-              <a:t>https://codepen.io/GAmarketing/pen/OJJwpMO</a:t>
-            </a:r>
-            <a:r>
-              <a:rPr lang="en" sz="1800" dirty="0">
-                <a:latin typeface="Proxima Nova"/>
-                <a:ea typeface="Proxima Nova"/>
-                <a:cs typeface="Proxima Nova"/>
-                <a:sym typeface="Proxima Nova"/>
-              </a:rPr>
-              <a:t> </a:t>
-            </a:r>
-            <a:endParaRPr sz="1800" dirty="0">
-              <a:latin typeface="Proxima Nova"/>
-              <a:ea typeface="Proxima Nova"/>
-              <a:cs typeface="Proxima Nova"/>
-              <a:sym typeface="Proxima Nova"/>
-            </a:endParaRPr>
+            <a:r>
+              <a:rPr lang="en-US" dirty="0"/>
+              <a:t>Exercises and Homework/Lesson 02/02_hamburger/</a:t>
+            </a:r>
+            <a:r>
+              <a:rPr lang="en-US" dirty="0" err="1"/>
+              <a:t>starter_code</a:t>
+            </a:r>
+            <a:endParaRPr lang="en-US" dirty="0"/>
           </a:p>
         </p:txBody>
       </p:sp>
@@ -40652,43 +40615,15 @@
             </a:endParaRPr>
           </a:p>
           <a:p>
-            <a:pPr marL="0" lvl="0" indent="0" algn="l" rtl="0">
-              <a:spcBef>
-                <a:spcPts val="0"/>
-              </a:spcBef>
-              <a:spcAft>
-                <a:spcPts val="0"/>
-              </a:spcAft>
-              <a:buNone/>
-            </a:pPr>
-            <a:r>
-              <a:rPr lang="en" sz="1800" u="sng" dirty="0">
-                <a:solidFill>
-                  <a:schemeClr val="hlink"/>
-                </a:solidFill>
-                <a:latin typeface="Proxima Nova"/>
-                <a:ea typeface="Proxima Nova"/>
-                <a:cs typeface="Proxima Nova"/>
-                <a:sym typeface="Proxima Nova"/>
-                <a:hlinkClick r:id="rId4"/>
-              </a:rPr>
-              <a:t>https://codepen.io/GAmarketing/pen/KKKBWVG</a:t>
-            </a:r>
-            <a:r>
-              <a:rPr lang="en" sz="1800" dirty="0">
-                <a:latin typeface="Proxima Nova"/>
-                <a:ea typeface="Proxima Nova"/>
-                <a:cs typeface="Proxima Nova"/>
-                <a:sym typeface="Proxima Nova"/>
-              </a:rPr>
-              <a:t> </a:t>
-            </a:r>
-            <a:endParaRPr sz="1800" dirty="0">
-              <a:latin typeface="Proxima Nova"/>
-              <a:ea typeface="Proxima Nova"/>
-              <a:cs typeface="Proxima Nova"/>
-              <a:sym typeface="Proxima Nova"/>
-            </a:endParaRPr>
+            <a:r>
+              <a:rPr lang="en-US" dirty="0"/>
+              <a:t>Exercises and Homework/Lesson 02/02_hamburger/</a:t>
+            </a:r>
+            <a:r>
+              <a:rPr lang="en-US" dirty="0" err="1"/>
+              <a:t>solution_code</a:t>
+            </a:r>
+            <a:endParaRPr lang="en-US" dirty="0"/>
           </a:p>
         </p:txBody>
       </p:sp>
@@ -41654,7 +41589,7 @@
               <a:buNone/>
             </a:pPr>
             <a:r>
-              <a:rPr lang="en" sz="1600" b="1">
+              <a:rPr lang="en" sz="1600" b="1" dirty="0">
                 <a:latin typeface="Proxima Nova"/>
                 <a:ea typeface="Proxima Nova"/>
                 <a:cs typeface="Proxima Nova"/>
@@ -41663,14 +41598,14 @@
               <a:t>Reference code: </a:t>
             </a:r>
             <a:br>
-              <a:rPr lang="en" sz="1600" b="1">
+              <a:rPr lang="en" sz="1600" b="1" dirty="0">
                 <a:latin typeface="Proxima Nova"/>
                 <a:ea typeface="Proxima Nova"/>
                 <a:cs typeface="Proxima Nova"/>
                 <a:sym typeface="Proxima Nova"/>
               </a:rPr>
             </a:br>
-            <a:endParaRPr sz="1600" b="1">
+            <a:endParaRPr sz="1600" b="1" dirty="0">
               <a:latin typeface="Proxima Nova"/>
               <a:ea typeface="Proxima Nova"/>
               <a:cs typeface="Proxima Nova"/>
@@ -41678,43 +41613,11 @@
             </a:endParaRPr>
           </a:p>
           <a:p>
-            <a:pPr marL="0" lvl="0" indent="0" algn="ctr" rtl="0">
-              <a:spcBef>
-                <a:spcPts val="0"/>
-              </a:spcBef>
-              <a:spcAft>
-                <a:spcPts val="0"/>
-              </a:spcAft>
-              <a:buNone/>
-            </a:pPr>
-            <a:r>
-              <a:rPr lang="en" sz="1800" u="sng">
-                <a:solidFill>
-                  <a:schemeClr val="hlink"/>
-                </a:solidFill>
-                <a:latin typeface="Proxima Nova"/>
-                <a:ea typeface="Proxima Nova"/>
-                <a:cs typeface="Proxima Nova"/>
-                <a:sym typeface="Proxima Nova"/>
-                <a:hlinkClick r:id="rId3"/>
-              </a:rPr>
-              <a:t>https://codepen.io/GAmarketing/pen/QWWBpbB</a:t>
-            </a:r>
-            <a:r>
-              <a:rPr lang="en" sz="1800">
-                <a:latin typeface="Proxima Nova"/>
-                <a:ea typeface="Proxima Nova"/>
-                <a:cs typeface="Proxima Nova"/>
-                <a:sym typeface="Proxima Nova"/>
-              </a:rPr>
-              <a:t> </a:t>
-            </a:r>
-            <a:endParaRPr sz="1800">
-              <a:latin typeface="Proxima Nova"/>
-              <a:ea typeface="Proxima Nova"/>
-              <a:cs typeface="Proxima Nova"/>
-              <a:sym typeface="Proxima Nova"/>
-            </a:endParaRPr>
+            <a:pPr algn="ctr"/>
+            <a:r>
+              <a:rPr lang="en-US" dirty="0"/>
+              <a:t>Exercises and Homework/Lesson 02/03_css_properties</a:t>
+            </a:r>
           </a:p>
         </p:txBody>
       </p:sp>
@@ -49103,7 +49006,7 @@
         </p:nvGraphicFramePr>
         <p:xfrm>
           <a:off x="600913" y="853070"/>
-          <a:ext cx="3000000" cy="3000000"/>
+          <a:ext cx="7823650" cy="3838770"/>
         </p:xfrm>
         <a:graphic>
           <a:graphicData uri="http://schemas.openxmlformats.org/drawingml/2006/table">
@@ -51148,10 +51051,10 @@
               <a:buNone/>
             </a:pPr>
             <a:r>
-              <a:rPr lang="en"/>
-              <a:t>Explaining CSS Selectors</a:t>
-            </a:r>
-            <a:endParaRPr/>
+              <a:rPr lang="en" dirty="0"/>
+              <a:t>Press Release</a:t>
+            </a:r>
+            <a:endParaRPr dirty="0"/>
           </a:p>
         </p:txBody>
       </p:sp>
@@ -51232,10 +51135,10 @@
               <a:buNone/>
             </a:pPr>
             <a:r>
-              <a:rPr lang="en"/>
-              <a:t>Walk through the following examples and take turns explaining what the selector, property and values are for each item.</a:t>
-            </a:r>
-            <a:endParaRPr/>
+              <a:rPr lang="en" dirty="0"/>
+              <a:t>Let’s style a press release</a:t>
+            </a:r>
+            <a:endParaRPr dirty="0"/>
           </a:p>
         </p:txBody>
       </p:sp>
@@ -51278,7 +51181,7 @@
               <a:buNone/>
             </a:pPr>
             <a:r>
-              <a:rPr lang="en" sz="1600" b="1">
+              <a:rPr lang="en" sz="1600" b="1" dirty="0">
                 <a:latin typeface="Proxima Nova"/>
                 <a:ea typeface="Proxima Nova"/>
                 <a:cs typeface="Proxima Nova"/>
@@ -51287,14 +51190,14 @@
               <a:t>Starter code: </a:t>
             </a:r>
             <a:br>
-              <a:rPr lang="en" sz="1600" b="1">
+              <a:rPr lang="en" sz="1600" b="1" dirty="0">
                 <a:latin typeface="Proxima Nova"/>
                 <a:ea typeface="Proxima Nova"/>
                 <a:cs typeface="Proxima Nova"/>
                 <a:sym typeface="Proxima Nova"/>
               </a:rPr>
             </a:br>
-            <a:endParaRPr sz="1600" b="1">
+            <a:endParaRPr sz="1600" b="1" dirty="0">
               <a:latin typeface="Proxima Nova"/>
               <a:ea typeface="Proxima Nova"/>
               <a:cs typeface="Proxima Nova"/>
@@ -51302,39 +51205,15 @@
             </a:endParaRPr>
           </a:p>
           <a:p>
-            <a:pPr marL="0" lvl="0" indent="0" algn="l" rtl="0">
-              <a:spcBef>
-                <a:spcPts val="0"/>
-              </a:spcBef>
-              <a:spcAft>
-                <a:spcPts val="0"/>
-              </a:spcAft>
-              <a:buClr>
-                <a:srgbClr val="000000"/>
-              </a:buClr>
-              <a:buSzPts val="1100"/>
-              <a:buFont typeface="Arial"/>
-              <a:buNone/>
-            </a:pPr>
-            <a:r>
-              <a:rPr lang="en" sz="1800" u="sng">
-                <a:solidFill>
-                  <a:schemeClr val="hlink"/>
-                </a:solidFill>
-                <a:latin typeface="Proxima Nova"/>
-                <a:ea typeface="Proxima Nova"/>
-                <a:cs typeface="Proxima Nova"/>
-                <a:sym typeface="Proxima Nova"/>
-                <a:hlinkClick r:id="rId3"/>
-              </a:rPr>
-              <a:t>https://codepen.io/kasigi/pen/QWgBxpO</a:t>
-            </a:r>
-            <a:endParaRPr sz="1800">
-              <a:latin typeface="Proxima Nova"/>
-              <a:ea typeface="Proxima Nova"/>
-              <a:cs typeface="Proxima Nova"/>
-              <a:sym typeface="Proxima Nova"/>
-            </a:endParaRPr>
+            <a:r>
+              <a:rPr lang="en-US" dirty="0"/>
+              <a:t>Exercises and Homework/Lesson 02/04_press_release/</a:t>
+            </a:r>
+            <a:r>
+              <a:rPr lang="en-US" dirty="0" err="1"/>
+              <a:t>starter_code</a:t>
+            </a:r>
+            <a:endParaRPr lang="en-US" dirty="0"/>
           </a:p>
         </p:txBody>
       </p:sp>
@@ -51420,7 +51299,7 @@
               <a:buNone/>
             </a:pPr>
             <a:r>
-              <a:rPr lang="en" sz="1600" b="1">
+              <a:rPr lang="en" sz="1600" b="1" dirty="0">
                 <a:latin typeface="Proxima Nova"/>
                 <a:ea typeface="Proxima Nova"/>
                 <a:cs typeface="Proxima Nova"/>
@@ -51429,14 +51308,14 @@
               <a:t>Solution code: </a:t>
             </a:r>
             <a:br>
-              <a:rPr lang="en" sz="1600" b="1">
+              <a:rPr lang="en" sz="1600" b="1" dirty="0">
                 <a:latin typeface="Proxima Nova"/>
                 <a:ea typeface="Proxima Nova"/>
                 <a:cs typeface="Proxima Nova"/>
                 <a:sym typeface="Proxima Nova"/>
               </a:rPr>
             </a:br>
-            <a:endParaRPr sz="1600" b="1">
+            <a:endParaRPr sz="1600" b="1" dirty="0">
               <a:latin typeface="Proxima Nova"/>
               <a:ea typeface="Proxima Nova"/>
               <a:cs typeface="Proxima Nova"/>
@@ -51444,34 +51323,15 @@
             </a:endParaRPr>
           </a:p>
           <a:p>
-            <a:pPr marL="0" lvl="0" indent="0" algn="l" rtl="0">
-              <a:spcBef>
-                <a:spcPts val="0"/>
-              </a:spcBef>
-              <a:spcAft>
-                <a:spcPts val="0"/>
-              </a:spcAft>
-              <a:buNone/>
-            </a:pPr>
-            <a:r>
-              <a:rPr lang="en" sz="1800" u="sng">
-                <a:solidFill>
-                  <a:schemeClr val="hlink"/>
-                </a:solidFill>
-                <a:latin typeface="Proxima Nova"/>
-                <a:ea typeface="Proxima Nova"/>
-                <a:cs typeface="Proxima Nova"/>
-                <a:sym typeface="Proxima Nova"/>
-                <a:hlinkClick r:id="rId4"/>
-              </a:rPr>
-              <a:t>https://codepen.io/kasigi/pen/qBjyKaG </a:t>
-            </a:r>
-            <a:endParaRPr sz="1800">
-              <a:latin typeface="Proxima Nova"/>
-              <a:ea typeface="Proxima Nova"/>
-              <a:cs typeface="Proxima Nova"/>
-              <a:sym typeface="Proxima Nova"/>
-            </a:endParaRPr>
+            <a:r>
+              <a:rPr lang="en-US" dirty="0"/>
+              <a:t>Exercises and Homework/Lesson 02/04_press_release/</a:t>
+            </a:r>
+            <a:r>
+              <a:rPr lang="en-US" dirty="0" err="1"/>
+              <a:t>solution_code</a:t>
+            </a:r>
+            <a:endParaRPr lang="en-US" dirty="0"/>
           </a:p>
         </p:txBody>
       </p:sp>

--- a/Lesson Decks/02 CSS Basics - FEWD 3.2.pptx
+++ b/Lesson Decks/02 CSS Basics - FEWD 3.2.pptx
@@ -56,24 +56,24 @@
   <p:notesSz cx="6858000" cy="9144000"/>
   <p:embeddedFontLst>
     <p:embeddedFont>
-      <p:font typeface="Helvetica Neue" panose="02000503000000020004" pitchFamily="2" charset="0"/>
+      <p:font typeface="Helvetica Neue" panose="020B0604020202020204" charset="0"/>
       <p:regular r:id="rId46"/>
       <p:bold r:id="rId47"/>
       <p:italic r:id="rId48"/>
       <p:boldItalic r:id="rId49"/>
     </p:embeddedFont>
     <p:embeddedFont>
-      <p:font typeface="Inconsolata" pitchFamily="49" charset="77"/>
+      <p:font typeface="Inconsolata" pitchFamily="1" charset="0"/>
       <p:regular r:id="rId50"/>
       <p:bold r:id="rId51"/>
     </p:embeddedFont>
     <p:embeddedFont>
-      <p:font typeface="Oswald" pitchFamily="2" charset="77"/>
+      <p:font typeface="Oswald" panose="00000500000000000000" pitchFamily="2" charset="0"/>
       <p:regular r:id="rId52"/>
       <p:bold r:id="rId53"/>
     </p:embeddedFont>
     <p:embeddedFont>
-      <p:font typeface="Proxima Nova" panose="02000506030000020004" pitchFamily="2" charset="0"/>
+      <p:font typeface="Proxima Nova" panose="020B0604020202020204" charset="0"/>
       <p:regular r:id="rId54"/>
       <p:bold r:id="rId55"/>
       <p:italic r:id="rId56"/>
@@ -36886,10 +36886,10 @@
               <a:buNone/>
             </a:pPr>
             <a:r>
-              <a:rPr lang="en"/>
+              <a:rPr lang="en" dirty="0"/>
               <a:t>Relative Path</a:t>
             </a:r>
-            <a:endParaRPr/>
+            <a:endParaRPr dirty="0"/>
           </a:p>
           <a:p>
             <a:pPr marL="0" lvl="0" indent="0" algn="l" rtl="0">
@@ -36901,7 +36901,7 @@
               </a:spcAft>
               <a:buNone/>
             </a:pPr>
-            <a:endParaRPr/>
+            <a:endParaRPr dirty="0"/>
           </a:p>
           <a:p>
             <a:pPr marL="0" lvl="0" indent="0" algn="l" rtl="0">
@@ -36914,10 +36914,10 @@
               <a:buNone/>
             </a:pPr>
             <a:r>
-              <a:rPr lang="en"/>
+              <a:rPr lang="en" dirty="0"/>
               <a:t>Absolute Path</a:t>
             </a:r>
-            <a:endParaRPr/>
+            <a:endParaRPr dirty="0"/>
           </a:p>
         </p:txBody>
       </p:sp>
@@ -37028,7 +37028,7 @@
               <a:buNone/>
             </a:pPr>
             <a:r>
-              <a:rPr lang="en" sz="1800">
+              <a:rPr lang="en" sz="1800" dirty="0">
                 <a:solidFill>
                   <a:schemeClr val="dk1"/>
                 </a:solidFill>
@@ -37037,9 +37037,33 @@
                 <a:cs typeface="Inconsolata"/>
                 <a:sym typeface="Inconsolata"/>
               </a:rPr>
-              <a:t>&lt;img src="/images/logo.png"&gt;</a:t>
-            </a:r>
-            <a:endParaRPr sz="1800">
+              <a:t>&lt;img src="</a:t>
+            </a:r>
+            <a:r>
+              <a:rPr lang="en" sz="1800" b="1" dirty="0">
+                <a:solidFill>
+                  <a:srgbClr val="FF0000"/>
+                </a:solidFill>
+                <a:latin typeface="Inconsolata"/>
+                <a:ea typeface="Inconsolata"/>
+                <a:cs typeface="Inconsolata"/>
+                <a:sym typeface="Inconsolata"/>
+              </a:rPr>
+              <a:t>/</a:t>
+            </a:r>
+            <a:r>
+              <a:rPr lang="en" sz="1800" dirty="0">
+                <a:solidFill>
+                  <a:schemeClr val="dk1"/>
+                </a:solidFill>
+                <a:latin typeface="Inconsolata"/>
+                <a:ea typeface="Inconsolata"/>
+                <a:cs typeface="Inconsolata"/>
+                <a:sym typeface="Inconsolata"/>
+              </a:rPr>
+              <a:t>images/logo.png"&gt;</a:t>
+            </a:r>
+            <a:endParaRPr sz="1800" dirty="0">
               <a:solidFill>
                 <a:schemeClr val="dk1"/>
               </a:solidFill>
@@ -37198,7 +37222,7 @@
               <a:buNone/>
             </a:pPr>
             <a:r>
-              <a:rPr lang="en" sz="1800">
+              <a:rPr lang="en" sz="1800" dirty="0">
                 <a:solidFill>
                   <a:schemeClr val="dk1"/>
                 </a:solidFill>
@@ -37210,7 +37234,7 @@
               <a:t>&lt;img src="</a:t>
             </a:r>
             <a:r>
-              <a:rPr lang="en" sz="1800" u="sng">
+              <a:rPr lang="en" sz="1800" u="sng" dirty="0">
                 <a:solidFill>
                   <a:schemeClr val="hlink"/>
                 </a:solidFill>
@@ -37223,7 +37247,7 @@
               <a:t>https://ga-core.s3.amazonaws.com/production/uploads/</a:t>
             </a:r>
             <a:br>
-              <a:rPr lang="en" sz="1800">
+              <a:rPr lang="en" sz="1800" dirty="0">
                 <a:solidFill>
                   <a:schemeClr val="dk1"/>
                 </a:solidFill>
@@ -37234,7 +37258,7 @@
               </a:rPr>
             </a:br>
             <a:r>
-              <a:rPr lang="en" sz="1800">
+              <a:rPr lang="en" sz="1800" dirty="0">
                 <a:solidFill>
                   <a:schemeClr val="dk1"/>
                 </a:solidFill>
@@ -37245,7 +37269,7 @@
               </a:rPr>
               <a:t>program/default_image/397/thumb_User-Experience-Sketching.jpg"&gt;</a:t>
             </a:r>
-            <a:endParaRPr sz="1800">
+            <a:endParaRPr sz="1800" dirty="0">
               <a:solidFill>
                 <a:schemeClr val="dk1"/>
               </a:solidFill>
@@ -37741,14 +37765,14 @@
           <p:nvPr>
             <p:extLst>
               <p:ext uri="{D42A27DB-BD31-4B8C-83A1-F6EECF244321}">
-                <p14:modId xmlns:p14="http://schemas.microsoft.com/office/powerpoint/2010/main" val="460080972"/>
+                <p14:modId xmlns:p14="http://schemas.microsoft.com/office/powerpoint/2010/main" val="2457742124"/>
               </p:ext>
             </p:extLst>
           </p:nvPr>
         </p:nvGraphicFramePr>
         <p:xfrm>
-          <a:off x="600913" y="1051650"/>
-          <a:ext cx="7684825" cy="3040170"/>
+          <a:off x="602273" y="1051650"/>
+          <a:ext cx="7683465" cy="3649740"/>
         </p:xfrm>
         <a:graphic>
           <a:graphicData uri="http://schemas.openxmlformats.org/drawingml/2006/table">
@@ -37758,7 +37782,7 @@
                 <a:tableStyleId>{17AA0D91-CC49-42A9-BEF7-3E8392083C09}</a:tableStyleId>
               </a:tblPr>
               <a:tblGrid>
-                <a:gridCol w="1662975">
+                <a:gridCol w="1661615">
                   <a:extLst>
                     <a:ext uri="{9D8B030D-6E8A-4147-A177-3AD203B41FA5}">
                       <a16:colId xmlns:a16="http://schemas.microsoft.com/office/drawing/2014/main" val="20000"/>
@@ -37900,7 +37924,7 @@
                         <a:buNone/>
                       </a:pPr>
                       <a:r>
-                        <a:rPr lang="en" sz="1600" b="1">
+                        <a:rPr lang="en" sz="1600" b="1" dirty="0">
                           <a:latin typeface="Inconsolata"/>
                           <a:ea typeface="Inconsolata"/>
                           <a:cs typeface="Inconsolata"/>
@@ -37908,7 +37932,7 @@
                         </a:rPr>
                         <a:t>main</a:t>
                       </a:r>
-                      <a:endParaRPr sz="1600">
+                      <a:endParaRPr sz="1600" dirty="0">
                         <a:latin typeface="Inconsolata"/>
                         <a:ea typeface="Inconsolata"/>
                         <a:cs typeface="Inconsolata"/>
@@ -38057,7 +38081,7 @@
                         <a:buNone/>
                       </a:pPr>
                       <a:r>
-                        <a:rPr lang="en" sz="1600" b="1">
+                        <a:rPr lang="en" sz="1600" b="1" dirty="0">
                           <a:latin typeface="Inconsolata"/>
                           <a:ea typeface="Inconsolata"/>
                           <a:cs typeface="Inconsolata"/>
@@ -38065,7 +38089,7 @@
                         </a:rPr>
                         <a:t>header</a:t>
                       </a:r>
-                      <a:endParaRPr sz="1600">
+                      <a:endParaRPr sz="1600" dirty="0">
                         <a:latin typeface="Inconsolata"/>
                         <a:ea typeface="Inconsolata"/>
                         <a:cs typeface="Inconsolata"/>
@@ -38371,7 +38395,7 @@
                         <a:buNone/>
                       </a:pPr>
                       <a:r>
-                        <a:rPr lang="en" sz="1600" b="1">
+                        <a:rPr lang="en" sz="1600" b="1" dirty="0">
                           <a:latin typeface="Inconsolata"/>
                           <a:ea typeface="Inconsolata"/>
                           <a:cs typeface="Inconsolata"/>
@@ -38379,7 +38403,7 @@
                         </a:rPr>
                         <a:t>section</a:t>
                       </a:r>
-                      <a:endParaRPr sz="1600" b="1">
+                      <a:endParaRPr sz="1600" b="1" dirty="0">
                         <a:latin typeface="Inconsolata"/>
                         <a:ea typeface="Inconsolata"/>
                         <a:cs typeface="Inconsolata"/>
@@ -38528,7 +38552,7 @@
                         <a:buNone/>
                       </a:pPr>
                       <a:r>
-                        <a:rPr lang="en" sz="1600" b="1">
+                        <a:rPr lang="en" sz="1600" b="1" dirty="0">
                           <a:latin typeface="Inconsolata"/>
                           <a:ea typeface="Inconsolata"/>
                           <a:cs typeface="Inconsolata"/>
@@ -38536,7 +38560,7 @@
                         </a:rPr>
                         <a:t>aside</a:t>
                       </a:r>
-                      <a:endParaRPr sz="1600" b="1">
+                      <a:endParaRPr sz="1600" b="1" dirty="0">
                         <a:latin typeface="Inconsolata"/>
                         <a:ea typeface="Inconsolata"/>
                         <a:cs typeface="Inconsolata"/>
@@ -38603,7 +38627,7 @@
                         <a:buNone/>
                       </a:pPr>
                       <a:r>
-                        <a:rPr lang="en">
+                        <a:rPr lang="en" dirty="0">
                           <a:latin typeface="Proxima Nova"/>
                           <a:ea typeface="Proxima Nova"/>
                           <a:cs typeface="Proxima Nova"/>
@@ -38611,7 +38635,7 @@
                         </a:rPr>
                         <a:t>A sidebar of content placed next to and supplementing an element.</a:t>
                       </a:r>
-                      <a:endParaRPr>
+                      <a:endParaRPr dirty="0">
                         <a:latin typeface="Proxima Nova"/>
                         <a:ea typeface="Proxima Nova"/>
                         <a:cs typeface="Proxima Nova"/>
@@ -38729,7 +38753,7 @@
                       <a:headEnd type="none" w="sm" len="sm"/>
                       <a:tailEnd type="none" w="sm" len="sm"/>
                     </a:lnT>
-                    <a:lnB w="9525" cap="flat" cmpd="sng">
+                    <a:lnB w="9525" cap="flat" cmpd="sng" algn="ctr">
                       <a:solidFill>
                         <a:srgbClr val="9E9E9E"/>
                       </a:solidFill>
@@ -38804,6 +38828,163 @@
                       <a:headEnd type="none" w="sm" len="sm"/>
                       <a:tailEnd type="none" w="sm" len="sm"/>
                     </a:lnT>
+                    <a:lnB w="9525" cap="flat" cmpd="sng" algn="ctr">
+                      <a:solidFill>
+                        <a:srgbClr val="9E9E9E"/>
+                      </a:solidFill>
+                      <a:prstDash val="solid"/>
+                      <a:round/>
+                      <a:headEnd type="none" w="sm" len="sm"/>
+                      <a:tailEnd type="none" w="sm" len="sm"/>
+                    </a:lnB>
+                    <a:solidFill>
+                      <a:srgbClr val="FFFFFF">
+                        <a:alpha val="50770"/>
+                      </a:srgbClr>
+                    </a:solidFill>
+                  </a:tcPr>
+                </a:tc>
+                <a:extLst>
+                  <a:ext uri="{0D108BD9-81ED-4DB2-BD59-A6C34878D82A}">
+                    <a16:rowId xmlns:a16="http://schemas.microsoft.com/office/drawing/2014/main" val="10006"/>
+                  </a:ext>
+                </a:extLst>
+              </a:tr>
+              <a:tr h="430500">
+                <a:tc>
+                  <a:txBody>
+                    <a:bodyPr/>
+                    <a:lstStyle/>
+                    <a:p>
+                      <a:pPr marL="0" lvl="0" indent="0" algn="l" rtl="0">
+                        <a:spcBef>
+                          <a:spcPts val="0"/>
+                        </a:spcBef>
+                        <a:spcAft>
+                          <a:spcPts val="0"/>
+                        </a:spcAft>
+                        <a:buNone/>
+                      </a:pPr>
+                      <a:r>
+                        <a:rPr lang="en-US" sz="1600" b="1" dirty="0">
+                          <a:latin typeface="Inconsolata"/>
+                          <a:ea typeface="Inconsolata"/>
+                          <a:cs typeface="Inconsolata"/>
+                          <a:sym typeface="Inconsolata"/>
+                        </a:rPr>
+                        <a:t>article</a:t>
+                      </a:r>
+                      <a:endParaRPr sz="1600" b="1" dirty="0">
+                        <a:latin typeface="Inconsolata"/>
+                        <a:ea typeface="Inconsolata"/>
+                        <a:cs typeface="Inconsolata"/>
+                        <a:sym typeface="Inconsolata"/>
+                      </a:endParaRPr>
+                    </a:p>
+                  </a:txBody>
+                  <a:tcPr marL="91425" marR="91425" marT="91425" marB="91425">
+                    <a:lnL w="9525" cap="flat" cmpd="sng">
+                      <a:solidFill>
+                        <a:srgbClr val="9E9E9E"/>
+                      </a:solidFill>
+                      <a:prstDash val="solid"/>
+                      <a:round/>
+                      <a:headEnd type="none" w="sm" len="sm"/>
+                      <a:tailEnd type="none" w="sm" len="sm"/>
+                    </a:lnL>
+                    <a:lnR w="9525" cap="flat" cmpd="sng" algn="ctr">
+                      <a:solidFill>
+                        <a:srgbClr val="9E9E9E"/>
+                      </a:solidFill>
+                      <a:prstDash val="solid"/>
+                      <a:round/>
+                      <a:headEnd type="none" w="sm" len="sm"/>
+                      <a:tailEnd type="none" w="sm" len="sm"/>
+                    </a:lnR>
+                    <a:lnT w="9525" cap="flat" cmpd="sng">
+                      <a:solidFill>
+                        <a:srgbClr val="9E9E9E"/>
+                      </a:solidFill>
+                      <a:prstDash val="solid"/>
+                      <a:round/>
+                      <a:headEnd type="none" w="sm" len="sm"/>
+                      <a:tailEnd type="none" w="sm" len="sm"/>
+                    </a:lnT>
+                    <a:lnB w="9525" cap="flat" cmpd="sng">
+                      <a:solidFill>
+                        <a:srgbClr val="9E9E9E"/>
+                      </a:solidFill>
+                      <a:prstDash val="solid"/>
+                      <a:round/>
+                      <a:headEnd type="none" w="sm" len="sm"/>
+                      <a:tailEnd type="none" w="sm" len="sm"/>
+                    </a:lnB>
+                    <a:solidFill>
+                      <a:srgbClr val="FFFFFF">
+                        <a:alpha val="50770"/>
+                      </a:srgbClr>
+                    </a:solidFill>
+                  </a:tcPr>
+                </a:tc>
+                <a:tc>
+                  <a:txBody>
+                    <a:bodyPr/>
+                    <a:lstStyle/>
+                    <a:p>
+                      <a:pPr marL="0" lvl="0" indent="0" algn="l" rtl="0">
+                        <a:spcBef>
+                          <a:spcPts val="0"/>
+                        </a:spcBef>
+                        <a:spcAft>
+                          <a:spcPts val="0"/>
+                        </a:spcAft>
+                        <a:buNone/>
+                      </a:pPr>
+                      <a:r>
+                        <a:rPr lang="en-US" dirty="0">
+                          <a:latin typeface="Proxima Nova"/>
+                          <a:ea typeface="Proxima Nova"/>
+                          <a:cs typeface="Proxima Nova"/>
+                          <a:sym typeface="Proxima Nova"/>
+                        </a:rPr>
+                        <a:t>A set of content that can be understood even when extracted from the page</a:t>
+                      </a:r>
+                      <a:endParaRPr dirty="0">
+                        <a:latin typeface="Proxima Nova"/>
+                        <a:ea typeface="Proxima Nova"/>
+                        <a:cs typeface="Proxima Nova"/>
+                        <a:sym typeface="Proxima Nova"/>
+                      </a:endParaRPr>
+                    </a:p>
+                  </a:txBody>
+                  <a:tcPr marL="91425" marR="91425" marT="91425" marB="91425">
+                    <a:lnL w="9525" cap="flat" cmpd="sng" algn="ctr">
+                      <a:solidFill>
+                        <a:srgbClr val="9E9E9E"/>
+                      </a:solidFill>
+                      <a:prstDash val="solid"/>
+                      <a:round/>
+                      <a:headEnd type="none" w="sm" len="sm"/>
+                      <a:tailEnd type="none" w="sm" len="sm"/>
+                    </a:lnL>
+                    <a:lnR w="9525" cap="flat" cmpd="sng">
+                      <a:solidFill>
+                        <a:srgbClr val="9E9E9E"/>
+                      </a:solidFill>
+                      <a:prstDash val="solid"/>
+                      <a:round/>
+                      <a:headEnd type="none" w="sm" len="sm"/>
+                      <a:tailEnd type="none" w="sm" len="sm"/>
+                    </a:lnR>
+                    <a:lnT w="9525" cap="flat" cmpd="sng">
+                      <a:solidFill>
+                        <a:srgbClr val="9E9E9E"/>
+                      </a:solidFill>
+                      <a:prstDash val="solid"/>
+                      <a:round/>
+                      <a:headEnd type="none" w="sm" len="sm"/>
+                      <a:tailEnd type="none" w="sm" len="sm"/>
+                    </a:lnT>
                     <a:lnB w="9525" cap="flat" cmpd="sng">
                       <a:solidFill>
                         <a:srgbClr val="9E9E9E"/>
@@ -38822,7 +39003,7 @@
                 </a:tc>
                 <a:extLst>
                   <a:ext uri="{0D108BD9-81ED-4DB2-BD59-A6C34878D82A}">
-                    <a16:rowId xmlns:a16="http://schemas.microsoft.com/office/drawing/2014/main" val="10006"/>
+                    <a16:rowId xmlns:a16="http://schemas.microsoft.com/office/drawing/2014/main" val="579921706"/>
                   </a:ext>
                 </a:extLst>
               </a:tr>
